--- a/Sprint 3/Sprint3.pptx
+++ b/Sprint 3/Sprint3.pptx
@@ -6,7 +6,7 @@
     <p:sldMasterId id="2147483660" r:id="rId2"/>
   </p:sldMasterIdLst>
   <p:notesMasterIdLst>
-    <p:notesMasterId r:id="rId15"/>
+    <p:notesMasterId r:id="rId16"/>
   </p:notesMasterIdLst>
   <p:sldIdLst>
     <p:sldId id="402" r:id="rId3"/>
@@ -20,7 +20,8 @@
     <p:sldId id="450" r:id="rId11"/>
     <p:sldId id="491" r:id="rId12"/>
     <p:sldId id="492" r:id="rId13"/>
-    <p:sldId id="423" r:id="rId14"/>
+    <p:sldId id="493" r:id="rId14"/>
+    <p:sldId id="423" r:id="rId15"/>
   </p:sldIdLst>
   <p:sldSz cx="12192000" cy="6858000"/>
   <p:notesSz cx="6858000" cy="9144000"/>
@@ -237,7 +238,7 @@
           <a:p>
             <a:fld id="{4C93EB0C-C87C-475F-B8F8-469DF3A467E8}" type="datetimeFigureOut">
               <a:rPr lang="zh-CN" altLang="en-US" smtClean="0"/>
-              <a:t>2022-10-29</a:t>
+              <a:t>2022-10-31</a:t>
             </a:fld>
             <a:endParaRPr lang="zh-CN" altLang="en-US"/>
           </a:p>
@@ -1297,6 +1298,94 @@
 </p:notes>
 </file>
 
+<file path=ppt/notesSlides/notesSlide7.xml><?xml version="1.0" encoding="utf-8"?>
+<p:notes xmlns:a="http://schemas.openxmlformats.org/drawingml/2006/main" xmlns:r="http://schemas.openxmlformats.org/officeDocument/2006/relationships" xmlns:p="http://schemas.openxmlformats.org/presentationml/2006/main">
+  <p:cSld>
+    <p:spTree>
+      <p:nvGrpSpPr>
+        <p:cNvPr id="1" name=""/>
+        <p:cNvGrpSpPr/>
+        <p:nvPr/>
+      </p:nvGrpSpPr>
+      <p:grpSpPr>
+        <a:xfrm>
+          <a:off x="0" y="0"/>
+          <a:ext cx="0" cy="0"/>
+          <a:chOff x="0" y="0"/>
+          <a:chExt cx="0" cy="0"/>
+        </a:xfrm>
+      </p:grpSpPr>
+      <p:sp>
+        <p:nvSpPr>
+          <p:cNvPr id="2" name="幻灯片图像占位符 1"/>
+          <p:cNvSpPr>
+            <a:spLocks noGrp="1" noRot="1" noChangeAspect="1"/>
+          </p:cNvSpPr>
+          <p:nvPr>
+            <p:ph type="sldImg"/>
+          </p:nvPr>
+        </p:nvSpPr>
+        <p:spPr/>
+      </p:sp>
+      <p:sp>
+        <p:nvSpPr>
+          <p:cNvPr id="3" name="备注占位符 2"/>
+          <p:cNvSpPr>
+            <a:spLocks noGrp="1"/>
+          </p:cNvSpPr>
+          <p:nvPr>
+            <p:ph type="body" idx="1"/>
+          </p:nvPr>
+        </p:nvSpPr>
+        <p:spPr/>
+        <p:txBody>
+          <a:bodyPr/>
+          <a:lstStyle/>
+          <a:p>
+            <a:r>
+              <a:rPr lang="en-US" altLang="zh-CN" dirty="0"/>
+              <a:t>GPU</a:t>
+            </a:r>
+            <a:endParaRPr lang="zh-CN" altLang="en-US" dirty="0"/>
+          </a:p>
+        </p:txBody>
+      </p:sp>
+      <p:sp>
+        <p:nvSpPr>
+          <p:cNvPr id="4" name="灯片编号占位符 3"/>
+          <p:cNvSpPr>
+            <a:spLocks noGrp="1"/>
+          </p:cNvSpPr>
+          <p:nvPr>
+            <p:ph type="sldNum" sz="quarter" idx="5"/>
+          </p:nvPr>
+        </p:nvSpPr>
+        <p:spPr/>
+        <p:txBody>
+          <a:bodyPr/>
+          <a:lstStyle/>
+          <a:p>
+            <a:fld id="{7C50B64C-32D5-47F6-A0E3-D89C1F949689}" type="slidenum">
+              <a:rPr lang="zh-CN" altLang="en-US" smtClean="0"/>
+              <a:t>12</a:t>
+            </a:fld>
+            <a:endParaRPr lang="zh-CN" altLang="en-US"/>
+          </a:p>
+        </p:txBody>
+      </p:sp>
+    </p:spTree>
+    <p:extLst>
+      <p:ext uri="{BB962C8B-B14F-4D97-AF65-F5344CB8AC3E}">
+        <p14:creationId xmlns:p14="http://schemas.microsoft.com/office/powerpoint/2010/main" val="1428160618"/>
+      </p:ext>
+    </p:extLst>
+  </p:cSld>
+  <p:clrMapOvr>
+    <a:masterClrMapping/>
+  </p:clrMapOvr>
+</p:notes>
+</file>
+
 <file path=ppt/slideLayouts/slideLayout1.xml><?xml version="1.0" encoding="utf-8"?>
 <p:sldLayout xmlns:a="http://schemas.openxmlformats.org/drawingml/2006/main" xmlns:r="http://schemas.openxmlformats.org/officeDocument/2006/relationships" xmlns:p="http://schemas.openxmlformats.org/presentationml/2006/main" type="title" preserve="1">
   <p:cSld name="标题幻灯片">
@@ -1428,7 +1517,7 @@
           <a:p>
             <a:fld id="{D997B5FA-0921-464F-AAE1-844C04324D75}" type="datetimeFigureOut">
               <a:rPr lang="zh-CN" altLang="en-US" smtClean="0"/>
-              <a:t>2022-10-29</a:t>
+              <a:t>2022-10-31</a:t>
             </a:fld>
             <a:endParaRPr lang="zh-CN" altLang="en-US"/>
           </a:p>
@@ -1593,7 +1682,7 @@
           <a:p>
             <a:fld id="{D997B5FA-0921-464F-AAE1-844C04324D75}" type="datetimeFigureOut">
               <a:rPr lang="zh-CN" altLang="en-US" smtClean="0"/>
-              <a:t>2022-10-29</a:t>
+              <a:t>2022-10-31</a:t>
             </a:fld>
             <a:endParaRPr lang="zh-CN" altLang="en-US"/>
           </a:p>
@@ -1768,7 +1857,7 @@
           <a:p>
             <a:fld id="{D997B5FA-0921-464F-AAE1-844C04324D75}" type="datetimeFigureOut">
               <a:rPr lang="zh-CN" altLang="en-US" smtClean="0"/>
-              <a:t>2022-10-29</a:t>
+              <a:t>2022-10-31</a:t>
             </a:fld>
             <a:endParaRPr lang="zh-CN" altLang="en-US"/>
           </a:p>
@@ -2003,7 +2092,7 @@
           <a:p>
             <a:fld id="{A8EA6491-BEF1-48FA-9197-7AB8BD9CC77B}" type="datetimeFigureOut">
               <a:rPr lang="zh-CN" altLang="en-US" smtClean="0"/>
-              <a:t>2022-10-29</a:t>
+              <a:t>2022-10-31</a:t>
             </a:fld>
             <a:endParaRPr lang="zh-CN" altLang="en-US"/>
           </a:p>
@@ -2166,7 +2255,7 @@
           <a:p>
             <a:fld id="{A8EA6491-BEF1-48FA-9197-7AB8BD9CC77B}" type="datetimeFigureOut">
               <a:rPr lang="zh-CN" altLang="en-US" smtClean="0"/>
-              <a:t>2022-10-29</a:t>
+              <a:t>2022-10-31</a:t>
             </a:fld>
             <a:endParaRPr lang="zh-CN" altLang="en-US"/>
           </a:p>
@@ -2406,7 +2495,7 @@
           <a:p>
             <a:fld id="{A8EA6491-BEF1-48FA-9197-7AB8BD9CC77B}" type="datetimeFigureOut">
               <a:rPr lang="zh-CN" altLang="en-US" smtClean="0"/>
-              <a:t>2022-10-29</a:t>
+              <a:t>2022-10-31</a:t>
             </a:fld>
             <a:endParaRPr lang="zh-CN" altLang="en-US"/>
           </a:p>
@@ -2686,7 +2775,7 @@
           <a:p>
             <a:fld id="{A8EA6491-BEF1-48FA-9197-7AB8BD9CC77B}" type="datetimeFigureOut">
               <a:rPr lang="zh-CN" altLang="en-US" smtClean="0"/>
-              <a:t>2022-10-29</a:t>
+              <a:t>2022-10-31</a:t>
             </a:fld>
             <a:endParaRPr lang="zh-CN" altLang="en-US"/>
           </a:p>
@@ -3100,7 +3189,7 @@
           <a:p>
             <a:fld id="{A8EA6491-BEF1-48FA-9197-7AB8BD9CC77B}" type="datetimeFigureOut">
               <a:rPr lang="zh-CN" altLang="en-US" smtClean="0"/>
-              <a:t>2022-10-29</a:t>
+              <a:t>2022-10-31</a:t>
             </a:fld>
             <a:endParaRPr lang="zh-CN" altLang="en-US"/>
           </a:p>
@@ -3212,7 +3301,7 @@
           <a:p>
             <a:fld id="{A8EA6491-BEF1-48FA-9197-7AB8BD9CC77B}" type="datetimeFigureOut">
               <a:rPr lang="zh-CN" altLang="en-US" smtClean="0"/>
-              <a:t>2022-10-29</a:t>
+              <a:t>2022-10-31</a:t>
             </a:fld>
             <a:endParaRPr lang="zh-CN" altLang="en-US"/>
           </a:p>
@@ -3302,7 +3391,7 @@
           <a:p>
             <a:fld id="{A8EA6491-BEF1-48FA-9197-7AB8BD9CC77B}" type="datetimeFigureOut">
               <a:rPr lang="zh-CN" altLang="en-US" smtClean="0"/>
-              <a:t>2022-10-29</a:t>
+              <a:t>2022-10-31</a:t>
             </a:fld>
             <a:endParaRPr lang="zh-CN" altLang="en-US"/>
           </a:p>
@@ -3572,7 +3661,7 @@
           <a:p>
             <a:fld id="{A8EA6491-BEF1-48FA-9197-7AB8BD9CC77B}" type="datetimeFigureOut">
               <a:rPr lang="zh-CN" altLang="en-US" smtClean="0"/>
-              <a:t>2022-10-29</a:t>
+              <a:t>2022-10-31</a:t>
             </a:fld>
             <a:endParaRPr lang="zh-CN" altLang="en-US"/>
           </a:p>
@@ -3737,7 +3826,7 @@
           <a:p>
             <a:fld id="{D997B5FA-0921-464F-AAE1-844C04324D75}" type="datetimeFigureOut">
               <a:rPr lang="zh-CN" altLang="en-US" smtClean="0"/>
-              <a:t>2022-10-29</a:t>
+              <a:t>2022-10-31</a:t>
             </a:fld>
             <a:endParaRPr lang="zh-CN" altLang="en-US"/>
           </a:p>
@@ -3984,7 +4073,7 @@
           <a:p>
             <a:fld id="{A8EA6491-BEF1-48FA-9197-7AB8BD9CC77B}" type="datetimeFigureOut">
               <a:rPr lang="zh-CN" altLang="en-US" smtClean="0"/>
-              <a:t>2022-10-29</a:t>
+              <a:t>2022-10-31</a:t>
             </a:fld>
             <a:endParaRPr lang="zh-CN" altLang="en-US"/>
           </a:p>
@@ -4147,7 +4236,7 @@
           <a:p>
             <a:fld id="{A8EA6491-BEF1-48FA-9197-7AB8BD9CC77B}" type="datetimeFigureOut">
               <a:rPr lang="zh-CN" altLang="en-US" smtClean="0"/>
-              <a:t>2022-10-29</a:t>
+              <a:t>2022-10-31</a:t>
             </a:fld>
             <a:endParaRPr lang="zh-CN" altLang="en-US"/>
           </a:p>
@@ -4320,7 +4409,7 @@
           <a:p>
             <a:fld id="{A8EA6491-BEF1-48FA-9197-7AB8BD9CC77B}" type="datetimeFigureOut">
               <a:rPr lang="zh-CN" altLang="en-US" smtClean="0"/>
-              <a:t>2022-10-29</a:t>
+              <a:t>2022-10-31</a:t>
             </a:fld>
             <a:endParaRPr lang="zh-CN" altLang="en-US"/>
           </a:p>
@@ -4561,7 +4650,7 @@
           <a:p>
             <a:fld id="{D997B5FA-0921-464F-AAE1-844C04324D75}" type="datetimeFigureOut">
               <a:rPr lang="zh-CN" altLang="en-US" smtClean="0"/>
-              <a:t>2022-10-29</a:t>
+              <a:t>2022-10-31</a:t>
             </a:fld>
             <a:endParaRPr lang="zh-CN" altLang="en-US"/>
           </a:p>
@@ -4788,7 +4877,7 @@
           <a:p>
             <a:fld id="{D997B5FA-0921-464F-AAE1-844C04324D75}" type="datetimeFigureOut">
               <a:rPr lang="zh-CN" altLang="en-US" smtClean="0"/>
-              <a:t>2022-10-29</a:t>
+              <a:t>2022-10-31</a:t>
             </a:fld>
             <a:endParaRPr lang="zh-CN" altLang="en-US"/>
           </a:p>
@@ -5150,7 +5239,7 @@
           <a:p>
             <a:fld id="{D997B5FA-0921-464F-AAE1-844C04324D75}" type="datetimeFigureOut">
               <a:rPr lang="zh-CN" altLang="en-US" smtClean="0"/>
-              <a:t>2022-10-29</a:t>
+              <a:t>2022-10-31</a:t>
             </a:fld>
             <a:endParaRPr lang="zh-CN" altLang="en-US"/>
           </a:p>
@@ -5240,7 +5329,7 @@
           <a:p>
             <a:fld id="{3A9EA63A-6E46-874E-A728-B3084EF7CF8A}" type="datetimeFigureOut">
               <a:rPr kumimoji="1" lang="zh-CN" altLang="en-US" smtClean="0"/>
-              <a:t>2022-10-29</a:t>
+              <a:t>2022-10-31</a:t>
             </a:fld>
             <a:endParaRPr kumimoji="1" lang="zh-CN" altLang="en-US"/>
           </a:p>
@@ -5424,7 +5513,7 @@
           <a:p>
             <a:fld id="{D997B5FA-0921-464F-AAE1-844C04324D75}" type="datetimeFigureOut">
               <a:rPr lang="zh-CN" altLang="en-US" smtClean="0"/>
-              <a:t>2022-10-29</a:t>
+              <a:t>2022-10-31</a:t>
             </a:fld>
             <a:endParaRPr lang="zh-CN" altLang="en-US"/>
           </a:p>
@@ -5696,7 +5785,7 @@
           <a:p>
             <a:fld id="{D997B5FA-0921-464F-AAE1-844C04324D75}" type="datetimeFigureOut">
               <a:rPr lang="zh-CN" altLang="en-US" smtClean="0"/>
-              <a:t>2022-10-29</a:t>
+              <a:t>2022-10-31</a:t>
             </a:fld>
             <a:endParaRPr lang="zh-CN" altLang="en-US"/>
           </a:p>
@@ -5948,7 +6037,7 @@
           <a:p>
             <a:fld id="{D997B5FA-0921-464F-AAE1-844C04324D75}" type="datetimeFigureOut">
               <a:rPr lang="zh-CN" altLang="en-US" smtClean="0"/>
-              <a:t>2022-10-29</a:t>
+              <a:t>2022-10-31</a:t>
             </a:fld>
             <a:endParaRPr lang="zh-CN" altLang="en-US"/>
           </a:p>
@@ -6159,7 +6248,7 @@
           <a:p>
             <a:fld id="{D997B5FA-0921-464F-AAE1-844C04324D75}" type="datetimeFigureOut">
               <a:rPr lang="zh-CN" altLang="en-US" smtClean="0"/>
-              <a:t>2022-10-29</a:t>
+              <a:t>2022-10-31</a:t>
             </a:fld>
             <a:endParaRPr lang="zh-CN" altLang="en-US"/>
           </a:p>
@@ -6774,7 +6863,7 @@
           <a:p>
             <a:fld id="{A8EA6491-BEF1-48FA-9197-7AB8BD9CC77B}" type="datetimeFigureOut">
               <a:rPr lang="zh-CN" altLang="en-US" smtClean="0"/>
-              <a:t>2022-10-29</a:t>
+              <a:t>2022-10-31</a:t>
             </a:fld>
             <a:endParaRPr lang="zh-CN" altLang="en-US"/>
           </a:p>
@@ -7548,6 +7637,223 @@
         <p:spPr>
           <a:xfrm>
             <a:off x="424754" y="218276"/>
+            <a:ext cx="5357860" cy="460375"/>
+          </a:xfrm>
+          <a:prstGeom prst="rect">
+            <a:avLst/>
+          </a:prstGeom>
+          <a:noFill/>
+        </p:spPr>
+        <p:txBody>
+          <a:bodyPr wrap="square" rtlCol="0">
+            <a:spAutoFit/>
+          </a:bodyPr>
+          <a:lstStyle/>
+          <a:p>
+            <a:r>
+              <a:rPr lang="en-US" altLang="zh-CN" sz="2400" b="1" dirty="0">
+                <a:solidFill>
+                  <a:schemeClr val="bg1"/>
+                </a:solidFill>
+                <a:latin typeface="微软雅黑" panose="020B0503020204020204" pitchFamily="34" charset="-122"/>
+                <a:ea typeface="微软雅黑" panose="020B0503020204020204" pitchFamily="34" charset="-122"/>
+              </a:rPr>
+              <a:t>Next Sprint Goals</a:t>
+            </a:r>
+            <a:endParaRPr lang="zh-CN" altLang="en-US" sz="2400" b="1" dirty="0">
+              <a:solidFill>
+                <a:schemeClr val="bg1"/>
+              </a:solidFill>
+              <a:latin typeface="微软雅黑" panose="020B0503020204020204" pitchFamily="34" charset="-122"/>
+              <a:ea typeface="微软雅黑" panose="020B0503020204020204" pitchFamily="34" charset="-122"/>
+            </a:endParaRPr>
+          </a:p>
+        </p:txBody>
+      </p:sp>
+      <p:pic>
+        <p:nvPicPr>
+          <p:cNvPr id="6" name="图片 5"/>
+          <p:cNvPicPr>
+            <a:picLocks noChangeAspect="1"/>
+          </p:cNvPicPr>
+          <p:nvPr/>
+        </p:nvPicPr>
+        <p:blipFill>
+          <a:blip r:embed="rId4"/>
+          <a:stretch>
+            <a:fillRect/>
+          </a:stretch>
+        </p:blipFill>
+        <p:spPr>
+          <a:xfrm>
+            <a:off x="10133382" y="218276"/>
+            <a:ext cx="1562100" cy="546100"/>
+          </a:xfrm>
+          <a:prstGeom prst="rect">
+            <a:avLst/>
+          </a:prstGeom>
+        </p:spPr>
+      </p:pic>
+      <p:sp>
+        <p:nvSpPr>
+          <p:cNvPr id="3" name="文本框 2">
+            <a:extLst>
+              <a:ext uri="{FF2B5EF4-FFF2-40B4-BE49-F238E27FC236}">
+                <a16:creationId xmlns:a16="http://schemas.microsoft.com/office/drawing/2014/main" id="{2CF41220-0F54-22E8-492C-473977930B7C}"/>
+              </a:ext>
+            </a:extLst>
+          </p:cNvPr>
+          <p:cNvSpPr txBox="1"/>
+          <p:nvPr>
+            <p:custDataLst>
+              <p:tags r:id="rId1"/>
+            </p:custDataLst>
+          </p:nvPr>
+        </p:nvSpPr>
+        <p:spPr>
+          <a:xfrm>
+            <a:off x="511810" y="1615215"/>
+            <a:ext cx="10810240" cy="1524007"/>
+          </a:xfrm>
+          <a:prstGeom prst="rect">
+            <a:avLst/>
+          </a:prstGeom>
+          <a:noFill/>
+        </p:spPr>
+        <p:txBody>
+          <a:bodyPr wrap="square" rtlCol="0">
+            <a:spAutoFit/>
+          </a:bodyPr>
+          <a:lstStyle/>
+          <a:p>
+            <a:pPr>
+              <a:lnSpc>
+                <a:spcPct val="150000"/>
+              </a:lnSpc>
+            </a:pPr>
+            <a:r>
+              <a:rPr kumimoji="1" lang="en-US" altLang="zh-CN" sz="1600" dirty="0">
+                <a:solidFill>
+                  <a:schemeClr val="dk1"/>
+                </a:solidFill>
+                <a:latin typeface="Arial" panose="020B0604020202020204" pitchFamily="34" charset="0"/>
+                <a:cs typeface="Arial" panose="020B0604020202020204" pitchFamily="34" charset="0"/>
+              </a:rPr>
+              <a:t>-    Continue to refine the model, adjust the parameters…</a:t>
+            </a:r>
+            <a:endParaRPr kumimoji="1" lang="zh-CN" altLang="en-US" sz="1600" dirty="0">
+              <a:solidFill>
+                <a:schemeClr val="dk1"/>
+              </a:solidFill>
+              <a:latin typeface="Arial" panose="020B0604020202020204" pitchFamily="34" charset="0"/>
+              <a:cs typeface="Arial" panose="020B0604020202020204" pitchFamily="34" charset="0"/>
+            </a:endParaRPr>
+          </a:p>
+          <a:p>
+            <a:pPr marL="285750" indent="-285750">
+              <a:lnSpc>
+                <a:spcPct val="150000"/>
+              </a:lnSpc>
+              <a:buFontTx/>
+              <a:buChar char="-"/>
+            </a:pPr>
+            <a:r>
+              <a:rPr kumimoji="1" lang="en-US" altLang="zh-CN" sz="1600" dirty="0">
+                <a:solidFill>
+                  <a:schemeClr val="dk1"/>
+                </a:solidFill>
+                <a:latin typeface="Arial" panose="020B0604020202020204" pitchFamily="34" charset="0"/>
+                <a:cs typeface="Arial" panose="020B0604020202020204" pitchFamily="34" charset="0"/>
+              </a:rPr>
+              <a:t>Integrate LGBM and XGB</a:t>
+            </a:r>
+          </a:p>
+          <a:p>
+            <a:pPr marL="285750" indent="-285750">
+              <a:lnSpc>
+                <a:spcPct val="150000"/>
+              </a:lnSpc>
+              <a:buFontTx/>
+              <a:buChar char="-"/>
+            </a:pPr>
+            <a:r>
+              <a:rPr kumimoji="1" lang="en-US" altLang="zh-CN" sz="1600" dirty="0">
+                <a:solidFill>
+                  <a:schemeClr val="dk1"/>
+                </a:solidFill>
+                <a:latin typeface="Arial" panose="020B0604020202020204" pitchFamily="34" charset="0"/>
+                <a:cs typeface="Arial" panose="020B0604020202020204" pitchFamily="34" charset="0"/>
+              </a:rPr>
+              <a:t>…</a:t>
+            </a:r>
+          </a:p>
+          <a:p>
+            <a:pPr marL="285750" indent="-285750">
+              <a:lnSpc>
+                <a:spcPct val="150000"/>
+              </a:lnSpc>
+              <a:buFontTx/>
+              <a:buChar char="-"/>
+            </a:pPr>
+            <a:r>
+              <a:rPr kumimoji="1" lang="en-US" altLang="zh-CN" sz="1600" dirty="0">
+                <a:solidFill>
+                  <a:schemeClr val="dk1"/>
+                </a:solidFill>
+                <a:latin typeface="Arial" panose="020B0604020202020204" pitchFamily="34" charset="0"/>
+                <a:cs typeface="Arial" panose="020B0604020202020204" pitchFamily="34" charset="0"/>
+              </a:rPr>
+              <a:t>…</a:t>
+            </a:r>
+            <a:endParaRPr kumimoji="1" lang="zh-CN" altLang="en-US" sz="1600" dirty="0">
+              <a:solidFill>
+                <a:schemeClr val="dk1"/>
+              </a:solidFill>
+              <a:latin typeface="Arial" panose="020B0604020202020204" pitchFamily="34" charset="0"/>
+              <a:cs typeface="Arial" panose="020B0604020202020204" pitchFamily="34" charset="0"/>
+            </a:endParaRPr>
+          </a:p>
+        </p:txBody>
+      </p:sp>
+    </p:spTree>
+    <p:extLst>
+      <p:ext uri="{BB962C8B-B14F-4D97-AF65-F5344CB8AC3E}">
+        <p14:creationId xmlns:p14="http://schemas.microsoft.com/office/powerpoint/2010/main" val="33918453"/>
+      </p:ext>
+    </p:extLst>
+  </p:cSld>
+  <p:clrMapOvr>
+    <a:masterClrMapping/>
+  </p:clrMapOvr>
+</p:sld>
+</file>
+
+<file path=ppt/slides/slide13.xml><?xml version="1.0" encoding="utf-8"?>
+<p:sld xmlns:a="http://schemas.openxmlformats.org/drawingml/2006/main" xmlns:r="http://schemas.openxmlformats.org/officeDocument/2006/relationships" xmlns:p="http://schemas.openxmlformats.org/presentationml/2006/main">
+  <p:cSld>
+    <p:spTree>
+      <p:nvGrpSpPr>
+        <p:cNvPr id="1" name=""/>
+        <p:cNvGrpSpPr/>
+        <p:nvPr/>
+      </p:nvGrpSpPr>
+      <p:grpSpPr>
+        <a:xfrm>
+          <a:off x="0" y="0"/>
+          <a:ext cx="0" cy="0"/>
+          <a:chOff x="0" y="0"/>
+          <a:chExt cx="0" cy="0"/>
+        </a:xfrm>
+      </p:grpSpPr>
+      <p:sp>
+        <p:nvSpPr>
+          <p:cNvPr id="2" name="文本框 1"/>
+          <p:cNvSpPr txBox="1"/>
+          <p:nvPr/>
+        </p:nvSpPr>
+        <p:spPr>
+          <a:xfrm>
+            <a:off x="424754" y="218276"/>
             <a:ext cx="3498317" cy="461665"/>
           </a:xfrm>
           <a:prstGeom prst="rect">
@@ -10027,6 +10333,14 @@
 </file>
 
 <file path=ppt/tags/tag1.xml><?xml version="1.0" encoding="utf-8"?>
+<p:tagLst xmlns:a="http://schemas.openxmlformats.org/drawingml/2006/main" xmlns:r="http://schemas.openxmlformats.org/officeDocument/2006/relationships" xmlns:p="http://schemas.openxmlformats.org/presentationml/2006/main">
+  <p:tag name="KSO_WM_UNIT_TEXT_FILL_FORE_SCHEMECOLOR_INDEX_BRIGHTNESS" val="0"/>
+  <p:tag name="KSO_WM_UNIT_TEXT_FILL_FORE_SCHEMECOLOR_INDEX" val="13"/>
+  <p:tag name="KSO_WM_UNIT_TEXT_FILL_TYPE" val="1"/>
+</p:tagLst>
+</file>
+
+<file path=ppt/tags/tag2.xml><?xml version="1.0" encoding="utf-8"?>
 <p:tagLst xmlns:a="http://schemas.openxmlformats.org/drawingml/2006/main" xmlns:r="http://schemas.openxmlformats.org/officeDocument/2006/relationships" xmlns:p="http://schemas.openxmlformats.org/presentationml/2006/main">
   <p:tag name="KSO_WM_UNIT_TEXT_FILL_FORE_SCHEMECOLOR_INDEX_BRIGHTNESS" val="0"/>
   <p:tag name="KSO_WM_UNIT_TEXT_FILL_FORE_SCHEMECOLOR_INDEX" val="13"/>

--- a/Sprint 3/Sprint3.pptx
+++ b/Sprint 3/Sprint3.pptx
@@ -6,7 +6,7 @@
     <p:sldMasterId id="2147483660" r:id="rId2"/>
   </p:sldMasterIdLst>
   <p:notesMasterIdLst>
-    <p:notesMasterId r:id="rId16"/>
+    <p:notesMasterId r:id="rId15"/>
   </p:notesMasterIdLst>
   <p:sldIdLst>
     <p:sldId id="402" r:id="rId3"/>
@@ -19,9 +19,8 @@
     <p:sldId id="484" r:id="rId10"/>
     <p:sldId id="450" r:id="rId11"/>
     <p:sldId id="491" r:id="rId12"/>
-    <p:sldId id="492" r:id="rId13"/>
-    <p:sldId id="493" r:id="rId14"/>
-    <p:sldId id="423" r:id="rId15"/>
+    <p:sldId id="493" r:id="rId13"/>
+    <p:sldId id="423" r:id="rId14"/>
   </p:sldIdLst>
   <p:sldSz cx="12192000" cy="6858000"/>
   <p:notesSz cx="6858000" cy="9144000"/>
@@ -238,7 +237,7 @@
           <a:p>
             <a:fld id="{4C93EB0C-C87C-475F-B8F8-469DF3A467E8}" type="datetimeFigureOut">
               <a:rPr lang="zh-CN" altLang="en-US" smtClean="0"/>
-              <a:t>2022-10-31</a:t>
+              <a:t>2022/11/1</a:t>
             </a:fld>
             <a:endParaRPr lang="zh-CN" altLang="en-US"/>
           </a:p>
@@ -1229,7 +1228,7 @@
       </p:grpSpPr>
       <p:sp>
         <p:nvSpPr>
-          <p:cNvPr id="2" name="幻灯片图像占位符 1"/>
+          <p:cNvPr id="2" name="Slide Image Placeholder 1"/>
           <p:cNvSpPr>
             <a:spLocks noGrp="1" noRot="1" noChangeAspect="1"/>
           </p:cNvSpPr>
@@ -1241,7 +1240,7 @@
       </p:sp>
       <p:sp>
         <p:nvSpPr>
-          <p:cNvPr id="3" name="备注占位符 2"/>
+          <p:cNvPr id="3" name="Notes Placeholder 2"/>
           <p:cNvSpPr>
             <a:spLocks noGrp="1"/>
           </p:cNvSpPr>
@@ -1255,16 +1254,46 @@
           <a:lstStyle/>
           <a:p>
             <a:r>
-              <a:rPr lang="en-US" altLang="zh-CN" dirty="0"/>
-              <a:t>GPU</a:t>
-            </a:r>
-            <a:endParaRPr lang="zh-CN" altLang="en-US" dirty="0"/>
-          </a:p>
-        </p:txBody>
-      </p:sp>
-      <p:sp>
-        <p:nvSpPr>
-          <p:cNvPr id="4" name="灯片编号占位符 3"/>
+              <a:rPr lang="en-US" b="0" i="0" dirty="0">
+                <a:solidFill>
+                  <a:srgbClr val="4C525B"/>
+                </a:solidFill>
+                <a:effectLst/>
+                <a:latin typeface="circular-book"/>
+              </a:rPr>
+              <a:t>Gradient boosting is a type of machine learning boosting. It relies on the intuition that the best possible next model, when combined with previous models, minimizes the overall prediction error. The key idea is to set the target outcomes for this next model in order to minimize the error. </a:t>
+            </a:r>
+          </a:p>
+          <a:p>
+            <a:r>
+              <a:rPr lang="en-US" b="0" i="0" dirty="0">
+                <a:solidFill>
+                  <a:srgbClr val="4C525B"/>
+                </a:solidFill>
+                <a:effectLst/>
+                <a:latin typeface="circular-book"/>
+              </a:rPr>
+              <a:t>(https://www.displayr.com/gradient-boosting-the-coolest-kid-on-the-machine-learning-block/)</a:t>
+            </a:r>
+          </a:p>
+          <a:p>
+            <a:r>
+              <a:rPr lang="en-US" b="0" i="0">
+                <a:solidFill>
+                  <a:srgbClr val="4C525B"/>
+                </a:solidFill>
+                <a:effectLst/>
+                <a:latin typeface="circular-book"/>
+              </a:rPr>
+              <a:t>(https://becominghuman.ai/lightgbm-on-home-credit-default-risk-prediction-5b17e68a6e9)</a:t>
+            </a:r>
+            <a:endParaRPr lang="en-CA" dirty="0"/>
+          </a:p>
+        </p:txBody>
+      </p:sp>
+      <p:sp>
+        <p:nvSpPr>
+          <p:cNvPr id="4" name="Slide Number Placeholder 3"/>
           <p:cNvSpPr>
             <a:spLocks noGrp="1"/>
           </p:cNvSpPr>
@@ -1279,7 +1308,7 @@
           <a:p>
             <a:fld id="{7C50B64C-32D5-47F6-A0E3-D89C1F949689}" type="slidenum">
               <a:rPr lang="zh-CN" altLang="en-US" smtClean="0"/>
-              <a:t>11</a:t>
+              <a:t>10</a:t>
             </a:fld>
             <a:endParaRPr lang="zh-CN" altLang="en-US"/>
           </a:p>
@@ -1288,7 +1317,7 @@
     </p:spTree>
     <p:extLst>
       <p:ext uri="{BB962C8B-B14F-4D97-AF65-F5344CB8AC3E}">
-        <p14:creationId xmlns:p14="http://schemas.microsoft.com/office/powerpoint/2010/main" val="2389427553"/>
+        <p14:creationId xmlns:p14="http://schemas.microsoft.com/office/powerpoint/2010/main" val="2655536709"/>
       </p:ext>
     </p:extLst>
   </p:cSld>
@@ -1367,7 +1396,7 @@
           <a:p>
             <a:fld id="{7C50B64C-32D5-47F6-A0E3-D89C1F949689}" type="slidenum">
               <a:rPr lang="zh-CN" altLang="en-US" smtClean="0"/>
-              <a:t>12</a:t>
+              <a:t>11</a:t>
             </a:fld>
             <a:endParaRPr lang="zh-CN" altLang="en-US"/>
           </a:p>
@@ -1517,7 +1546,7 @@
           <a:p>
             <a:fld id="{D997B5FA-0921-464F-AAE1-844C04324D75}" type="datetimeFigureOut">
               <a:rPr lang="zh-CN" altLang="en-US" smtClean="0"/>
-              <a:t>2022-10-31</a:t>
+              <a:t>2022/11/1</a:t>
             </a:fld>
             <a:endParaRPr lang="zh-CN" altLang="en-US"/>
           </a:p>
@@ -1682,7 +1711,7 @@
           <a:p>
             <a:fld id="{D997B5FA-0921-464F-AAE1-844C04324D75}" type="datetimeFigureOut">
               <a:rPr lang="zh-CN" altLang="en-US" smtClean="0"/>
-              <a:t>2022-10-31</a:t>
+              <a:t>2022/11/1</a:t>
             </a:fld>
             <a:endParaRPr lang="zh-CN" altLang="en-US"/>
           </a:p>
@@ -1857,7 +1886,7 @@
           <a:p>
             <a:fld id="{D997B5FA-0921-464F-AAE1-844C04324D75}" type="datetimeFigureOut">
               <a:rPr lang="zh-CN" altLang="en-US" smtClean="0"/>
-              <a:t>2022-10-31</a:t>
+              <a:t>2022/11/1</a:t>
             </a:fld>
             <a:endParaRPr lang="zh-CN" altLang="en-US"/>
           </a:p>
@@ -2092,7 +2121,7 @@
           <a:p>
             <a:fld id="{A8EA6491-BEF1-48FA-9197-7AB8BD9CC77B}" type="datetimeFigureOut">
               <a:rPr lang="zh-CN" altLang="en-US" smtClean="0"/>
-              <a:t>2022-10-31</a:t>
+              <a:t>2022/11/1</a:t>
             </a:fld>
             <a:endParaRPr lang="zh-CN" altLang="en-US"/>
           </a:p>
@@ -2255,7 +2284,7 @@
           <a:p>
             <a:fld id="{A8EA6491-BEF1-48FA-9197-7AB8BD9CC77B}" type="datetimeFigureOut">
               <a:rPr lang="zh-CN" altLang="en-US" smtClean="0"/>
-              <a:t>2022-10-31</a:t>
+              <a:t>2022/11/1</a:t>
             </a:fld>
             <a:endParaRPr lang="zh-CN" altLang="en-US"/>
           </a:p>
@@ -2495,7 +2524,7 @@
           <a:p>
             <a:fld id="{A8EA6491-BEF1-48FA-9197-7AB8BD9CC77B}" type="datetimeFigureOut">
               <a:rPr lang="zh-CN" altLang="en-US" smtClean="0"/>
-              <a:t>2022-10-31</a:t>
+              <a:t>2022/11/1</a:t>
             </a:fld>
             <a:endParaRPr lang="zh-CN" altLang="en-US"/>
           </a:p>
@@ -2775,7 +2804,7 @@
           <a:p>
             <a:fld id="{A8EA6491-BEF1-48FA-9197-7AB8BD9CC77B}" type="datetimeFigureOut">
               <a:rPr lang="zh-CN" altLang="en-US" smtClean="0"/>
-              <a:t>2022-10-31</a:t>
+              <a:t>2022/11/1</a:t>
             </a:fld>
             <a:endParaRPr lang="zh-CN" altLang="en-US"/>
           </a:p>
@@ -3189,7 +3218,7 @@
           <a:p>
             <a:fld id="{A8EA6491-BEF1-48FA-9197-7AB8BD9CC77B}" type="datetimeFigureOut">
               <a:rPr lang="zh-CN" altLang="en-US" smtClean="0"/>
-              <a:t>2022-10-31</a:t>
+              <a:t>2022/11/1</a:t>
             </a:fld>
             <a:endParaRPr lang="zh-CN" altLang="en-US"/>
           </a:p>
@@ -3301,7 +3330,7 @@
           <a:p>
             <a:fld id="{A8EA6491-BEF1-48FA-9197-7AB8BD9CC77B}" type="datetimeFigureOut">
               <a:rPr lang="zh-CN" altLang="en-US" smtClean="0"/>
-              <a:t>2022-10-31</a:t>
+              <a:t>2022/11/1</a:t>
             </a:fld>
             <a:endParaRPr lang="zh-CN" altLang="en-US"/>
           </a:p>
@@ -3391,7 +3420,7 @@
           <a:p>
             <a:fld id="{A8EA6491-BEF1-48FA-9197-7AB8BD9CC77B}" type="datetimeFigureOut">
               <a:rPr lang="zh-CN" altLang="en-US" smtClean="0"/>
-              <a:t>2022-10-31</a:t>
+              <a:t>2022/11/1</a:t>
             </a:fld>
             <a:endParaRPr lang="zh-CN" altLang="en-US"/>
           </a:p>
@@ -3661,7 +3690,7 @@
           <a:p>
             <a:fld id="{A8EA6491-BEF1-48FA-9197-7AB8BD9CC77B}" type="datetimeFigureOut">
               <a:rPr lang="zh-CN" altLang="en-US" smtClean="0"/>
-              <a:t>2022-10-31</a:t>
+              <a:t>2022/11/1</a:t>
             </a:fld>
             <a:endParaRPr lang="zh-CN" altLang="en-US"/>
           </a:p>
@@ -3826,7 +3855,7 @@
           <a:p>
             <a:fld id="{D997B5FA-0921-464F-AAE1-844C04324D75}" type="datetimeFigureOut">
               <a:rPr lang="zh-CN" altLang="en-US" smtClean="0"/>
-              <a:t>2022-10-31</a:t>
+              <a:t>2022/11/1</a:t>
             </a:fld>
             <a:endParaRPr lang="zh-CN" altLang="en-US"/>
           </a:p>
@@ -4073,7 +4102,7 @@
           <a:p>
             <a:fld id="{A8EA6491-BEF1-48FA-9197-7AB8BD9CC77B}" type="datetimeFigureOut">
               <a:rPr lang="zh-CN" altLang="en-US" smtClean="0"/>
-              <a:t>2022-10-31</a:t>
+              <a:t>2022/11/1</a:t>
             </a:fld>
             <a:endParaRPr lang="zh-CN" altLang="en-US"/>
           </a:p>
@@ -4236,7 +4265,7 @@
           <a:p>
             <a:fld id="{A8EA6491-BEF1-48FA-9197-7AB8BD9CC77B}" type="datetimeFigureOut">
               <a:rPr lang="zh-CN" altLang="en-US" smtClean="0"/>
-              <a:t>2022-10-31</a:t>
+              <a:t>2022/11/1</a:t>
             </a:fld>
             <a:endParaRPr lang="zh-CN" altLang="en-US"/>
           </a:p>
@@ -4409,7 +4438,7 @@
           <a:p>
             <a:fld id="{A8EA6491-BEF1-48FA-9197-7AB8BD9CC77B}" type="datetimeFigureOut">
               <a:rPr lang="zh-CN" altLang="en-US" smtClean="0"/>
-              <a:t>2022-10-31</a:t>
+              <a:t>2022/11/1</a:t>
             </a:fld>
             <a:endParaRPr lang="zh-CN" altLang="en-US"/>
           </a:p>
@@ -4650,7 +4679,7 @@
           <a:p>
             <a:fld id="{D997B5FA-0921-464F-AAE1-844C04324D75}" type="datetimeFigureOut">
               <a:rPr lang="zh-CN" altLang="en-US" smtClean="0"/>
-              <a:t>2022-10-31</a:t>
+              <a:t>2022/11/1</a:t>
             </a:fld>
             <a:endParaRPr lang="zh-CN" altLang="en-US"/>
           </a:p>
@@ -4877,7 +4906,7 @@
           <a:p>
             <a:fld id="{D997B5FA-0921-464F-AAE1-844C04324D75}" type="datetimeFigureOut">
               <a:rPr lang="zh-CN" altLang="en-US" smtClean="0"/>
-              <a:t>2022-10-31</a:t>
+              <a:t>2022/11/1</a:t>
             </a:fld>
             <a:endParaRPr lang="zh-CN" altLang="en-US"/>
           </a:p>
@@ -5239,7 +5268,7 @@
           <a:p>
             <a:fld id="{D997B5FA-0921-464F-AAE1-844C04324D75}" type="datetimeFigureOut">
               <a:rPr lang="zh-CN" altLang="en-US" smtClean="0"/>
-              <a:t>2022-10-31</a:t>
+              <a:t>2022/11/1</a:t>
             </a:fld>
             <a:endParaRPr lang="zh-CN" altLang="en-US"/>
           </a:p>
@@ -5329,7 +5358,7 @@
           <a:p>
             <a:fld id="{3A9EA63A-6E46-874E-A728-B3084EF7CF8A}" type="datetimeFigureOut">
               <a:rPr kumimoji="1" lang="zh-CN" altLang="en-US" smtClean="0"/>
-              <a:t>2022-10-31</a:t>
+              <a:t>2022/11/1</a:t>
             </a:fld>
             <a:endParaRPr kumimoji="1" lang="zh-CN" altLang="en-US"/>
           </a:p>
@@ -5513,7 +5542,7 @@
           <a:p>
             <a:fld id="{D997B5FA-0921-464F-AAE1-844C04324D75}" type="datetimeFigureOut">
               <a:rPr lang="zh-CN" altLang="en-US" smtClean="0"/>
-              <a:t>2022-10-31</a:t>
+              <a:t>2022/11/1</a:t>
             </a:fld>
             <a:endParaRPr lang="zh-CN" altLang="en-US"/>
           </a:p>
@@ -5785,7 +5814,7 @@
           <a:p>
             <a:fld id="{D997B5FA-0921-464F-AAE1-844C04324D75}" type="datetimeFigureOut">
               <a:rPr lang="zh-CN" altLang="en-US" smtClean="0"/>
-              <a:t>2022-10-31</a:t>
+              <a:t>2022/11/1</a:t>
             </a:fld>
             <a:endParaRPr lang="zh-CN" altLang="en-US"/>
           </a:p>
@@ -6037,7 +6066,7 @@
           <a:p>
             <a:fld id="{D997B5FA-0921-464F-AAE1-844C04324D75}" type="datetimeFigureOut">
               <a:rPr lang="zh-CN" altLang="en-US" smtClean="0"/>
-              <a:t>2022-10-31</a:t>
+              <a:t>2022/11/1</a:t>
             </a:fld>
             <a:endParaRPr lang="zh-CN" altLang="en-US"/>
           </a:p>
@@ -6248,7 +6277,7 @@
           <a:p>
             <a:fld id="{D997B5FA-0921-464F-AAE1-844C04324D75}" type="datetimeFigureOut">
               <a:rPr lang="zh-CN" altLang="en-US" smtClean="0"/>
-              <a:t>2022-10-31</a:t>
+              <a:t>2022/11/1</a:t>
             </a:fld>
             <a:endParaRPr lang="zh-CN" altLang="en-US"/>
           </a:p>
@@ -6863,7 +6892,7 @@
           <a:p>
             <a:fld id="{A8EA6491-BEF1-48FA-9197-7AB8BD9CC77B}" type="datetimeFigureOut">
               <a:rPr lang="zh-CN" altLang="en-US" smtClean="0"/>
-              <a:t>2022-10-31</a:t>
+              <a:t>2022/11/1</a:t>
             </a:fld>
             <a:endParaRPr lang="zh-CN" altLang="en-US"/>
           </a:p>
@@ -7423,14 +7452,14 @@
           <a:lstStyle/>
           <a:p>
             <a:r>
-              <a:rPr lang="en-US" altLang="zh-CN" sz="2400" b="1" dirty="0" err="1">
+              <a:rPr lang="en-US" altLang="zh-CN" sz="2400" b="1" dirty="0">
                 <a:solidFill>
                   <a:schemeClr val="bg1"/>
                 </a:solidFill>
                 <a:latin typeface="微软雅黑" panose="020B0503020204020204" pitchFamily="34" charset="-122"/>
                 <a:ea typeface="微软雅黑" panose="020B0503020204020204" pitchFamily="34" charset="-122"/>
               </a:rPr>
-              <a:t>LightGBM</a:t>
+              <a:t>Light GBM</a:t>
             </a:r>
             <a:endParaRPr lang="zh-CN" altLang="en-US" sz="2400" b="1" dirty="0">
               <a:solidFill>
@@ -7451,7 +7480,7 @@
           <p:nvPr/>
         </p:nvPicPr>
         <p:blipFill>
-          <a:blip r:embed="rId2"/>
+          <a:blip r:embed="rId3"/>
           <a:stretch>
             <a:fillRect/>
           </a:stretch>
@@ -7480,7 +7509,7 @@
         </p:nvSpPr>
         <p:spPr>
           <a:xfrm>
-            <a:off x="1787887" y="6143589"/>
+            <a:off x="2475230" y="6313627"/>
             <a:ext cx="8965837" cy="369332"/>
           </a:xfrm>
           <a:prstGeom prst="rect">
@@ -7502,6 +7531,160 @@
           </a:p>
         </p:txBody>
       </p:sp>
+      <p:sp>
+        <p:nvSpPr>
+          <p:cNvPr id="3" name="TextBox 2">
+            <a:extLst>
+              <a:ext uri="{FF2B5EF4-FFF2-40B4-BE49-F238E27FC236}">
+                <a16:creationId xmlns:a16="http://schemas.microsoft.com/office/drawing/2014/main" id="{29AC20C6-C765-5D2B-9E4A-32EA061D38EB}"/>
+              </a:ext>
+            </a:extLst>
+          </p:cNvPr>
+          <p:cNvSpPr txBox="1"/>
+          <p:nvPr/>
+        </p:nvSpPr>
+        <p:spPr>
+          <a:xfrm>
+            <a:off x="424754" y="2529946"/>
+            <a:ext cx="10267405" cy="2308324"/>
+          </a:xfrm>
+          <a:prstGeom prst="rect">
+            <a:avLst/>
+          </a:prstGeom>
+          <a:noFill/>
+        </p:spPr>
+        <p:txBody>
+          <a:bodyPr wrap="square" rtlCol="0">
+            <a:spAutoFit/>
+          </a:bodyPr>
+          <a:lstStyle/>
+          <a:p>
+            <a:endParaRPr lang="en-CA" dirty="0"/>
+          </a:p>
+          <a:p>
+            <a:r>
+              <a:rPr lang="en-CA" b="1" dirty="0"/>
+              <a:t>Gradient Boosting Framework that uses tree based learning algorithms (Microsoft, 2016)</a:t>
+            </a:r>
+          </a:p>
+          <a:p>
+            <a:r>
+              <a:rPr lang="en-CA" dirty="0"/>
+              <a:t>Advantages:</a:t>
+            </a:r>
+          </a:p>
+          <a:p>
+            <a:pPr marL="285750" indent="-285750">
+              <a:buFont typeface="Arial" panose="020B0604020202020204" pitchFamily="34" charset="0"/>
+              <a:buChar char="•"/>
+            </a:pPr>
+            <a:r>
+              <a:rPr lang="en-CA" dirty="0"/>
+              <a:t>Faster training speed and higher frequency</a:t>
+            </a:r>
+          </a:p>
+          <a:p>
+            <a:pPr marL="285750" indent="-285750">
+              <a:buFont typeface="Arial" panose="020B0604020202020204" pitchFamily="34" charset="0"/>
+              <a:buChar char="•"/>
+            </a:pPr>
+            <a:r>
+              <a:rPr lang="en-CA" dirty="0"/>
+              <a:t>Lower memory usage</a:t>
+            </a:r>
+          </a:p>
+          <a:p>
+            <a:pPr marL="285750" indent="-285750">
+              <a:buFont typeface="Arial" panose="020B0604020202020204" pitchFamily="34" charset="0"/>
+              <a:buChar char="•"/>
+            </a:pPr>
+            <a:r>
+              <a:rPr lang="en-CA" dirty="0"/>
+              <a:t>Better accuracy</a:t>
+            </a:r>
+          </a:p>
+          <a:p>
+            <a:pPr marL="285750" indent="-285750">
+              <a:buFont typeface="Arial" panose="020B0604020202020204" pitchFamily="34" charset="0"/>
+              <a:buChar char="•"/>
+            </a:pPr>
+            <a:r>
+              <a:rPr lang="en-CA" dirty="0"/>
+              <a:t>Support of parallel, distributed, and GPU learning</a:t>
+            </a:r>
+          </a:p>
+          <a:p>
+            <a:pPr marL="285750" indent="-285750">
+              <a:buFont typeface="Arial" panose="020B0604020202020204" pitchFamily="34" charset="0"/>
+              <a:buChar char="•"/>
+            </a:pPr>
+            <a:r>
+              <a:rPr lang="en-CA" dirty="0"/>
+              <a:t>Capable of handling large-scale data</a:t>
+            </a:r>
+          </a:p>
+        </p:txBody>
+      </p:sp>
+      <p:pic>
+        <p:nvPicPr>
+          <p:cNvPr id="7" name="Picture 6">
+            <a:extLst>
+              <a:ext uri="{FF2B5EF4-FFF2-40B4-BE49-F238E27FC236}">
+                <a16:creationId xmlns:a16="http://schemas.microsoft.com/office/drawing/2014/main" id="{3B768419-CFAC-3364-B666-EE0FDBFFE3C4}"/>
+              </a:ext>
+            </a:extLst>
+          </p:cNvPr>
+          <p:cNvPicPr>
+            <a:picLocks noChangeAspect="1"/>
+          </p:cNvPicPr>
+          <p:nvPr/>
+        </p:nvPicPr>
+        <p:blipFill>
+          <a:blip r:embed="rId4"/>
+          <a:stretch>
+            <a:fillRect/>
+          </a:stretch>
+        </p:blipFill>
+        <p:spPr>
+          <a:xfrm>
+            <a:off x="424754" y="1188181"/>
+            <a:ext cx="4485255" cy="1044041"/>
+          </a:xfrm>
+          <a:prstGeom prst="rect">
+            <a:avLst/>
+          </a:prstGeom>
+        </p:spPr>
+      </p:pic>
+      <p:pic>
+        <p:nvPicPr>
+          <p:cNvPr id="9" name="Picture 8">
+            <a:extLst>
+              <a:ext uri="{FF2B5EF4-FFF2-40B4-BE49-F238E27FC236}">
+                <a16:creationId xmlns:a16="http://schemas.microsoft.com/office/drawing/2014/main" id="{3C004694-6D6F-8F53-D136-494AE6BC5598}"/>
+              </a:ext>
+            </a:extLst>
+          </p:cNvPr>
+          <p:cNvPicPr>
+            <a:picLocks noChangeAspect="1"/>
+          </p:cNvPicPr>
+          <p:nvPr/>
+        </p:nvPicPr>
+        <p:blipFill>
+          <a:blip r:embed="rId5"/>
+          <a:stretch>
+            <a:fillRect/>
+          </a:stretch>
+        </p:blipFill>
+        <p:spPr>
+          <a:xfrm>
+            <a:off x="6250334" y="3528247"/>
+            <a:ext cx="5516912" cy="1822360"/>
+          </a:xfrm>
+          <a:prstGeom prst="rect">
+            <a:avLst/>
+          </a:prstGeom>
+        </p:spPr>
+      </p:pic>
     </p:spTree>
     <p:extLst>
       <p:ext uri="{BB962C8B-B14F-4D97-AF65-F5344CB8AC3E}">
@@ -7555,102 +7738,6 @@
           <a:lstStyle/>
           <a:p>
             <a:r>
-              <a:rPr lang="en-US" altLang="zh-CN" sz="2400" b="1" dirty="0" err="1">
-                <a:solidFill>
-                  <a:schemeClr val="bg1"/>
-                </a:solidFill>
-                <a:latin typeface="微软雅黑" panose="020B0503020204020204" pitchFamily="34" charset="-122"/>
-                <a:ea typeface="微软雅黑" panose="020B0503020204020204" pitchFamily="34" charset="-122"/>
-              </a:rPr>
-              <a:t>XGBoost</a:t>
-            </a:r>
-            <a:endParaRPr lang="zh-CN" altLang="en-US" sz="2400" b="1" dirty="0">
-              <a:solidFill>
-                <a:schemeClr val="bg1"/>
-              </a:solidFill>
-              <a:latin typeface="微软雅黑" panose="020B0503020204020204" pitchFamily="34" charset="-122"/>
-              <a:ea typeface="微软雅黑" panose="020B0503020204020204" pitchFamily="34" charset="-122"/>
-            </a:endParaRPr>
-          </a:p>
-        </p:txBody>
-      </p:sp>
-      <p:pic>
-        <p:nvPicPr>
-          <p:cNvPr id="6" name="图片 5"/>
-          <p:cNvPicPr>
-            <a:picLocks noChangeAspect="1"/>
-          </p:cNvPicPr>
-          <p:nvPr/>
-        </p:nvPicPr>
-        <p:blipFill>
-          <a:blip r:embed="rId3"/>
-          <a:stretch>
-            <a:fillRect/>
-          </a:stretch>
-        </p:blipFill>
-        <p:spPr>
-          <a:xfrm>
-            <a:off x="10133382" y="218276"/>
-            <a:ext cx="1562100" cy="546100"/>
-          </a:xfrm>
-          <a:prstGeom prst="rect">
-            <a:avLst/>
-          </a:prstGeom>
-        </p:spPr>
-      </p:pic>
-    </p:spTree>
-    <p:extLst>
-      <p:ext uri="{BB962C8B-B14F-4D97-AF65-F5344CB8AC3E}">
-        <p14:creationId xmlns:p14="http://schemas.microsoft.com/office/powerpoint/2010/main" val="4245281363"/>
-      </p:ext>
-    </p:extLst>
-  </p:cSld>
-  <p:clrMapOvr>
-    <a:masterClrMapping/>
-  </p:clrMapOvr>
-</p:sld>
-</file>
-
-<file path=ppt/slides/slide12.xml><?xml version="1.0" encoding="utf-8"?>
-<p:sld xmlns:a="http://schemas.openxmlformats.org/drawingml/2006/main" xmlns:r="http://schemas.openxmlformats.org/officeDocument/2006/relationships" xmlns:p="http://schemas.openxmlformats.org/presentationml/2006/main">
-  <p:cSld>
-    <p:spTree>
-      <p:nvGrpSpPr>
-        <p:cNvPr id="1" name=""/>
-        <p:cNvGrpSpPr/>
-        <p:nvPr/>
-      </p:nvGrpSpPr>
-      <p:grpSpPr>
-        <a:xfrm>
-          <a:off x="0" y="0"/>
-          <a:ext cx="0" cy="0"/>
-          <a:chOff x="0" y="0"/>
-          <a:chExt cx="0" cy="0"/>
-        </a:xfrm>
-      </p:grpSpPr>
-      <p:sp>
-        <p:nvSpPr>
-          <p:cNvPr id="2" name="文本框 1"/>
-          <p:cNvSpPr txBox="1"/>
-          <p:nvPr/>
-        </p:nvSpPr>
-        <p:spPr>
-          <a:xfrm>
-            <a:off x="424754" y="218276"/>
-            <a:ext cx="5357860" cy="460375"/>
-          </a:xfrm>
-          <a:prstGeom prst="rect">
-            <a:avLst/>
-          </a:prstGeom>
-          <a:noFill/>
-        </p:spPr>
-        <p:txBody>
-          <a:bodyPr wrap="square" rtlCol="0">
-            <a:spAutoFit/>
-          </a:bodyPr>
-          <a:lstStyle/>
-          <a:p>
-            <a:r>
               <a:rPr lang="en-US" altLang="zh-CN" sz="2400" b="1" dirty="0">
                 <a:solidFill>
                   <a:schemeClr val="bg1"/>
@@ -7713,7 +7800,7 @@
         <p:spPr>
           <a:xfrm>
             <a:off x="511810" y="1615215"/>
-            <a:ext cx="10810240" cy="1524007"/>
+            <a:ext cx="10810240" cy="785343"/>
           </a:xfrm>
           <a:prstGeom prst="rect">
             <a:avLst/>
@@ -7767,51 +7854,6 @@
               </a:rPr>
               <a:t>Integrate LGBM and XGB</a:t>
             </a:r>
-          </a:p>
-          <a:p>
-            <a:pPr marL="285750" indent="-285750">
-              <a:lnSpc>
-                <a:spcPct val="150000"/>
-              </a:lnSpc>
-              <a:buFontTx/>
-              <a:buChar char="-"/>
-            </a:pPr>
-            <a:r>
-              <a:rPr kumimoji="1" lang="en-US" altLang="zh-CN" sz="1600" dirty="0">
-                <a:solidFill>
-                  <a:schemeClr val="dk1"/>
-                </a:solidFill>
-                <a:latin typeface="Arial" panose="020B0604020202020204" pitchFamily="34" charset="0"/>
-                <a:cs typeface="Arial" panose="020B0604020202020204" pitchFamily="34" charset="0"/>
-              </a:rPr>
-              <a:t>…</a:t>
-            </a:r>
-          </a:p>
-          <a:p>
-            <a:pPr marL="285750" indent="-285750">
-              <a:lnSpc>
-                <a:spcPct val="150000"/>
-              </a:lnSpc>
-              <a:buFontTx/>
-              <a:buChar char="-"/>
-            </a:pPr>
-            <a:r>
-              <a:rPr kumimoji="1" lang="en-US" altLang="zh-CN" sz="1600" dirty="0">
-                <a:solidFill>
-                  <a:schemeClr val="dk1"/>
-                </a:solidFill>
-                <a:latin typeface="Arial" panose="020B0604020202020204" pitchFamily="34" charset="0"/>
-                <a:cs typeface="Arial" panose="020B0604020202020204" pitchFamily="34" charset="0"/>
-              </a:rPr>
-              <a:t>…</a:t>
-            </a:r>
-            <a:endParaRPr kumimoji="1" lang="zh-CN" altLang="en-US" sz="1600" dirty="0">
-              <a:solidFill>
-                <a:schemeClr val="dk1"/>
-              </a:solidFill>
-              <a:latin typeface="Arial" panose="020B0604020202020204" pitchFamily="34" charset="0"/>
-              <a:cs typeface="Arial" panose="020B0604020202020204" pitchFamily="34" charset="0"/>
-            </a:endParaRPr>
           </a:p>
         </p:txBody>
       </p:sp>
@@ -7828,7 +7870,7 @@
 </p:sld>
 </file>
 
-<file path=ppt/slides/slide13.xml><?xml version="1.0" encoding="utf-8"?>
+<file path=ppt/slides/slide12.xml><?xml version="1.0" encoding="utf-8"?>
 <p:sld xmlns:a="http://schemas.openxmlformats.org/drawingml/2006/main" xmlns:r="http://schemas.openxmlformats.org/officeDocument/2006/relationships" xmlns:p="http://schemas.openxmlformats.org/presentationml/2006/main">
   <p:cSld>
     <p:spTree>
